--- a/spring13/slides13/microquiz-apr5.pptx
+++ b/spring13/slides13/microquiz-apr5.pptx
@@ -3104,7 +3104,7 @@
         <p:spPr>
           <a:xfrm>
             <a:off x="369909" y="1032754"/>
-            <a:ext cx="8586672" cy="1077218"/>
+            <a:ext cx="8071440" cy="1077218"/>
           </a:xfrm>
           <a:prstGeom prst="rect">
             <a:avLst/>
@@ -3117,119 +3117,41 @@
           </a:bodyPr>
           <a:lstStyle/>
           <a:p>
+            <a:pPr marL="514350" indent="-514350">
+              <a:buAutoNum type="arabicPeriod"/>
+            </a:pPr>
             <a:r>
               <a:rPr lang="en-US" sz="3200" dirty="0" smtClean="0">
                 <a:latin typeface="Comic Sans MS"/>
                 <a:cs typeface="Comic Sans MS"/>
               </a:rPr>
-              <a:t>1. G is a simple graph with </a:t>
+              <a:t>A graph G has no vertex of </a:t>
             </a:r>
             <a:r>
               <a:rPr lang="en-US" sz="3200" dirty="0" smtClean="0">
                 <a:solidFill>
-                  <a:srgbClr val="0000FF"/>
+                  <a:schemeClr val="accent1"/>
                 </a:solidFill>
                 <a:latin typeface="Comic Sans MS"/>
                 <a:cs typeface="Comic Sans MS"/>
               </a:rPr>
-              <a:t>2</a:t>
-            </a:r>
-            <a:r>
-              <a:rPr lang="en-US" sz="3200" baseline="30000" dirty="0" smtClean="0">
-                <a:solidFill>
-                  <a:srgbClr val="0000FF"/>
-                </a:solidFill>
-                <a:latin typeface="Comic Sans MS"/>
-                <a:cs typeface="Comic Sans MS"/>
-              </a:rPr>
-              <a:t>11</a:t>
-            </a:r>
-            <a:r>
-              <a:rPr lang="en-US" sz="3200" dirty="0" smtClean="0">
-                <a:solidFill>
-                  <a:srgbClr val="0000FF"/>
-                </a:solidFill>
-                <a:latin typeface="Comic Sans MS"/>
-                <a:cs typeface="Comic Sans MS"/>
-              </a:rPr>
-              <a:t> vertices,</a:t>
-            </a:r>
-            <a:endParaRPr lang="en-US" sz="3200" dirty="0" smtClean="0">
-              <a:latin typeface="Comic Sans MS"/>
-              <a:cs typeface="Comic Sans MS"/>
-            </a:endParaRPr>
-          </a:p>
-          <a:p>
-            <a:r>
-              <a:rPr lang="en-US" sz="3200" dirty="0" smtClean="0">
-                <a:solidFill>
-                  <a:srgbClr val="019400"/>
-                </a:solidFill>
-                <a:latin typeface="Comic Sans MS"/>
-                <a:cs typeface="Comic Sans MS"/>
-              </a:rPr>
-              <a:t>2</a:t>
-            </a:r>
-            <a:r>
-              <a:rPr lang="en-US" sz="3200" baseline="30000" dirty="0" smtClean="0">
-                <a:solidFill>
-                  <a:srgbClr val="019400"/>
-                </a:solidFill>
-                <a:latin typeface="Comic Sans MS"/>
-                <a:cs typeface="Comic Sans MS"/>
-              </a:rPr>
-              <a:t>15</a:t>
-            </a:r>
-            <a:r>
-              <a:rPr lang="en-US" sz="3200" dirty="0" smtClean="0">
-                <a:solidFill>
-                  <a:srgbClr val="019400"/>
-                </a:solidFill>
-                <a:latin typeface="Comic Sans MS"/>
-                <a:cs typeface="Comic Sans MS"/>
-              </a:rPr>
-              <a:t> edges</a:t>
-            </a:r>
-            <a:r>
-              <a:rPr lang="en-US" sz="3200" dirty="0">
-                <a:latin typeface="Comic Sans MS"/>
-                <a:cs typeface="Comic Sans MS"/>
-              </a:rPr>
-              <a:t> </a:t>
+              <a:t>degree &gt; 6</a:t>
             </a:r>
             <a:r>
               <a:rPr lang="en-US" sz="3200" dirty="0" smtClean="0">
                 <a:latin typeface="Comic Sans MS"/>
                 <a:cs typeface="Comic Sans MS"/>
               </a:rPr>
-              <a:t>and maximum degree </a:t>
-            </a:r>
-            <a:r>
-              <a:rPr lang="en-US" sz="3200" dirty="0" smtClean="0">
-                <a:solidFill>
-                  <a:schemeClr val="accent2"/>
-                </a:solidFill>
-                <a:latin typeface="Comic Sans MS"/>
-                <a:cs typeface="Comic Sans MS"/>
-              </a:rPr>
-              <a:t>2</a:t>
-            </a:r>
-            <a:r>
-              <a:rPr lang="en-US" sz="3200" baseline="30000" dirty="0" smtClean="0">
-                <a:solidFill>
-                  <a:schemeClr val="accent2"/>
-                </a:solidFill>
-                <a:latin typeface="Comic Sans MS"/>
-                <a:cs typeface="Comic Sans MS"/>
-              </a:rPr>
-              <a:t>7</a:t>
-            </a:r>
+              <a:t>. </a:t>
+            </a:r>
+          </a:p>
+          <a:p>
             <a:r>
               <a:rPr lang="en-US" sz="3200" dirty="0" smtClean="0">
                 <a:latin typeface="Comic Sans MS"/>
                 <a:cs typeface="Comic Sans MS"/>
               </a:rPr>
-              <a:t>. Find χ(G)  </a:t>
+              <a:t>What is the best bound for χ(G) ?</a:t>
             </a:r>
             <a:endParaRPr lang="en-US" sz="3200" dirty="0">
               <a:latin typeface="Comic Sans MS"/>
@@ -3305,7 +3227,7 @@
         <p:spPr>
           <a:xfrm>
             <a:off x="292084" y="2290631"/>
-            <a:ext cx="8600989" cy="2062103"/>
+            <a:ext cx="8600989" cy="1077218"/>
           </a:xfrm>
           <a:prstGeom prst="rect">
             <a:avLst/>
@@ -3326,78 +3248,48 @@
               <a:t>2. </a:t>
             </a:r>
             <a:r>
+              <a:rPr lang="en-US" sz="3200" dirty="0">
+                <a:latin typeface="Comic Sans MS"/>
+                <a:cs typeface="Comic Sans MS"/>
+              </a:rPr>
+              <a:t>Name two nonadjacent vertices that are </a:t>
+            </a:r>
+            <a:r>
               <a:rPr lang="en-US" sz="3200" dirty="0" smtClean="0">
                 <a:latin typeface="Comic Sans MS"/>
                 <a:cs typeface="Comic Sans MS"/>
               </a:rPr>
-              <a:t>List </a:t>
+              <a:t>  </a:t>
+            </a:r>
+          </a:p>
+          <a:p>
+            <a:r>
+              <a:rPr lang="en-US" sz="3200" dirty="0">
+                <a:latin typeface="Comic Sans MS"/>
+                <a:cs typeface="Comic Sans MS"/>
+              </a:rPr>
+              <a:t> </a:t>
             </a:r>
             <a:r>
               <a:rPr lang="en-US" sz="3200" dirty="0" smtClean="0">
                 <a:latin typeface="Comic Sans MS"/>
                 <a:cs typeface="Comic Sans MS"/>
               </a:rPr>
-              <a:t>a vertex pair that is </a:t>
-            </a:r>
-          </a:p>
-          <a:p>
-            <a:pPr marL="457200" indent="-457200">
-              <a:buFont typeface="Arial"/>
-              <a:buChar char="•"/>
-            </a:pPr>
+              <a:t>   3</a:t>
+            </a:r>
             <a:r>
               <a:rPr lang="en-US" sz="3200" dirty="0">
                 <a:latin typeface="Comic Sans MS"/>
                 <a:cs typeface="Comic Sans MS"/>
               </a:rPr>
-              <a:t>2</a:t>
+              <a:t>-edge connected</a:t>
             </a:r>
             <a:r>
               <a:rPr lang="en-US" sz="3200" dirty="0" smtClean="0">
                 <a:latin typeface="Comic Sans MS"/>
                 <a:cs typeface="Comic Sans MS"/>
               </a:rPr>
-              <a:t>-edge connected</a:t>
-            </a:r>
-          </a:p>
-          <a:p>
-            <a:pPr marL="457200" indent="-457200">
-              <a:buFont typeface="Arial"/>
-              <a:buChar char="•"/>
-            </a:pPr>
-            <a:r>
-              <a:rPr lang="en-US" sz="3200" dirty="0">
-                <a:latin typeface="Comic Sans MS"/>
-                <a:cs typeface="Comic Sans MS"/>
-              </a:rPr>
-              <a:t>3</a:t>
-            </a:r>
-            <a:r>
-              <a:rPr lang="en-US" sz="3200" dirty="0" smtClean="0">
-                <a:latin typeface="Comic Sans MS"/>
-                <a:cs typeface="Comic Sans MS"/>
-              </a:rPr>
-              <a:t>-edge connected </a:t>
-            </a:r>
-          </a:p>
-          <a:p>
-            <a:pPr marL="457200" indent="-457200">
-              <a:buFont typeface="Arial"/>
-              <a:buChar char="•"/>
-            </a:pPr>
-            <a:r>
-              <a:rPr lang="en-US" sz="3200" dirty="0">
-                <a:latin typeface="Comic Sans MS"/>
-                <a:cs typeface="Comic Sans MS"/>
-              </a:rPr>
-              <a:t>4</a:t>
-            </a:r>
-            <a:r>
-              <a:rPr lang="en-US" sz="3200" dirty="0" smtClean="0">
-                <a:latin typeface="Comic Sans MS"/>
-                <a:cs typeface="Comic Sans MS"/>
-              </a:rPr>
-              <a:t>-edge connected</a:t>
+              <a:t> </a:t>
             </a:r>
             <a:endParaRPr lang="en-US" sz="3200" dirty="0">
               <a:latin typeface="Comic Sans MS"/>
@@ -3416,10 +3308,10 @@
         </p:nvGrpSpPr>
         <p:grpSpPr bwMode="auto">
           <a:xfrm>
-            <a:off x="1654653" y="4218776"/>
-            <a:ext cx="5842006" cy="2762214"/>
-            <a:chOff x="980" y="953"/>
-            <a:chExt cx="3452" cy="2844"/>
+            <a:off x="1518549" y="3913505"/>
+            <a:ext cx="5842006" cy="2817576"/>
+            <a:chOff x="980" y="896"/>
+            <a:chExt cx="3452" cy="2901"/>
           </a:xfrm>
         </p:grpSpPr>
         <p:sp>
@@ -3639,7 +3531,7 @@
           </p:nvSpPr>
           <p:spPr bwMode="auto">
             <a:xfrm>
-              <a:off x="2812" y="953"/>
+              <a:off x="2812" y="896"/>
               <a:ext cx="276" cy="665"/>
             </a:xfrm>
             <a:prstGeom prst="rect">
@@ -3931,35 +3823,6 @@
           </p:cxnSp>
           <p:cxnSp>
             <p:nvCxnSpPr>
-              <p:cNvPr id="45" name="AutoShape 18"/>
-              <p:cNvCxnSpPr>
-                <a:cxnSpLocks noChangeShapeType="1"/>
-                <a:stCxn id="40" idx="6"/>
-                <a:endCxn id="41" idx="2"/>
-              </p:cNvCxnSpPr>
-              <p:nvPr/>
-            </p:nvCxnSpPr>
-            <p:spPr bwMode="auto">
-              <a:xfrm>
-                <a:off x="1420" y="2616"/>
-                <a:ext cx="2592" cy="48"/>
-              </a:xfrm>
-              <a:prstGeom prst="straightConnector1">
-                <a:avLst/>
-              </a:prstGeom>
-              <a:noFill/>
-              <a:ln w="38100">
-                <a:solidFill>
-                  <a:schemeClr val="tx1"/>
-                </a:solidFill>
-                <a:round/>
-                <a:headEnd/>
-                <a:tailEnd type="none" w="lg" len="lg"/>
-              </a:ln>
-            </p:spPr>
-          </p:cxnSp>
-          <p:cxnSp>
-            <p:nvCxnSpPr>
               <p:cNvPr id="46" name="AutoShape 19"/>
               <p:cNvCxnSpPr>
                 <a:cxnSpLocks noChangeShapeType="1"/>
@@ -3972,93 +3835,6 @@
               <a:xfrm flipV="1">
                 <a:off x="1543" y="1540"/>
                 <a:ext cx="1221" cy="23"/>
-              </a:xfrm>
-              <a:prstGeom prst="straightConnector1">
-                <a:avLst/>
-              </a:prstGeom>
-              <a:noFill/>
-              <a:ln w="38100">
-                <a:solidFill>
-                  <a:schemeClr val="tx1"/>
-                </a:solidFill>
-                <a:round/>
-                <a:headEnd/>
-                <a:tailEnd type="none" w="lg" len="lg"/>
-              </a:ln>
-            </p:spPr>
-          </p:cxnSp>
-          <p:cxnSp>
-            <p:nvCxnSpPr>
-              <p:cNvPr id="47" name="AutoShape 20"/>
-              <p:cNvCxnSpPr>
-                <a:cxnSpLocks noChangeShapeType="1"/>
-                <a:stCxn id="38" idx="4"/>
-                <a:endCxn id="43" idx="0"/>
-              </p:cNvCxnSpPr>
-              <p:nvPr/>
-            </p:nvCxnSpPr>
-            <p:spPr bwMode="auto">
-              <a:xfrm>
-                <a:off x="1492" y="1584"/>
-                <a:ext cx="1296" cy="1660"/>
-              </a:xfrm>
-              <a:prstGeom prst="straightConnector1">
-                <a:avLst/>
-              </a:prstGeom>
-              <a:noFill/>
-              <a:ln w="38100">
-                <a:solidFill>
-                  <a:schemeClr val="tx1"/>
-                </a:solidFill>
-                <a:round/>
-                <a:headEnd/>
-                <a:tailEnd type="none" w="lg" len="lg"/>
-              </a:ln>
-            </p:spPr>
-          </p:cxnSp>
-          <p:cxnSp>
-            <p:nvCxnSpPr>
-              <p:cNvPr id="48" name="AutoShape 21"/>
-              <p:cNvCxnSpPr>
-                <a:cxnSpLocks noChangeShapeType="1"/>
-                <a:stCxn id="43" idx="0"/>
-                <a:endCxn id="39" idx="4"/>
-              </p:cNvCxnSpPr>
-              <p:nvPr/>
-            </p:nvCxnSpPr>
-            <p:spPr bwMode="auto">
-              <a:xfrm flipV="1">
-                <a:off x="2788" y="1612"/>
-                <a:ext cx="48" cy="1632"/>
-              </a:xfrm>
-              <a:prstGeom prst="straightConnector1">
-                <a:avLst/>
-              </a:prstGeom>
-              <a:noFill/>
-              <a:ln w="38100">
-                <a:solidFill>
-                  <a:schemeClr val="tx1"/>
-                </a:solidFill>
-                <a:round/>
-                <a:headEnd/>
-                <a:tailEnd type="none" w="lg" len="lg"/>
-              </a:ln>
-            </p:spPr>
-          </p:cxnSp>
-          <p:cxnSp>
-            <p:nvCxnSpPr>
-              <p:cNvPr id="49" name="AutoShape 22"/>
-              <p:cNvCxnSpPr>
-                <a:cxnSpLocks noChangeShapeType="1"/>
-                <a:stCxn id="43" idx="0"/>
-                <a:endCxn id="42" idx="3"/>
-              </p:cNvCxnSpPr>
-              <p:nvPr/>
-            </p:nvCxnSpPr>
-            <p:spPr bwMode="auto">
-              <a:xfrm flipV="1">
-                <a:off x="2788" y="1515"/>
-                <a:ext cx="1149" cy="1729"/>
               </a:xfrm>
               <a:prstGeom prst="straightConnector1">
                 <a:avLst/>
@@ -4139,6 +3915,120 @@
           </p:sp>
         </p:grpSp>
       </p:grpSp>
+      <p:cxnSp>
+        <p:nvCxnSpPr>
+          <p:cNvPr id="8" name="Straight Connector 7"/>
+          <p:cNvCxnSpPr>
+            <a:stCxn id="38" idx="4"/>
+            <a:endCxn id="40" idx="0"/>
+          </p:cNvCxnSpPr>
+          <p:nvPr/>
+        </p:nvCxnSpPr>
+        <p:spPr>
+          <a:xfrm flipH="1">
+            <a:off x="2141336" y="4573951"/>
+            <a:ext cx="243699" cy="932393"/>
+          </a:xfrm>
+          <a:prstGeom prst="line">
+            <a:avLst/>
+          </a:prstGeom>
+          <a:ln>
+            <a:solidFill>
+              <a:srgbClr val="000000"/>
+            </a:solidFill>
+          </a:ln>
+        </p:spPr>
+        <p:style>
+          <a:lnRef idx="2">
+            <a:schemeClr val="accent1"/>
+          </a:lnRef>
+          <a:fillRef idx="0">
+            <a:schemeClr val="accent1"/>
+          </a:fillRef>
+          <a:effectRef idx="1">
+            <a:schemeClr val="accent1"/>
+          </a:effectRef>
+          <a:fontRef idx="minor">
+            <a:schemeClr val="tx1"/>
+          </a:fontRef>
+        </p:style>
+      </p:cxnSp>
+      <p:cxnSp>
+        <p:nvCxnSpPr>
+          <p:cNvPr id="11" name="Straight Connector 10"/>
+          <p:cNvCxnSpPr>
+            <a:stCxn id="42" idx="5"/>
+            <a:endCxn id="41" idx="0"/>
+          </p:cNvCxnSpPr>
+          <p:nvPr/>
+        </p:nvCxnSpPr>
+        <p:spPr>
+          <a:xfrm>
+            <a:off x="6695311" y="4506849"/>
+            <a:ext cx="76306" cy="1046115"/>
+          </a:xfrm>
+          <a:prstGeom prst="line">
+            <a:avLst/>
+          </a:prstGeom>
+          <a:ln>
+            <a:solidFill>
+              <a:srgbClr val="000000"/>
+            </a:solidFill>
+          </a:ln>
+        </p:spPr>
+        <p:style>
+          <a:lnRef idx="2">
+            <a:schemeClr val="accent1"/>
+          </a:lnRef>
+          <a:fillRef idx="0">
+            <a:schemeClr val="accent1"/>
+          </a:fillRef>
+          <a:effectRef idx="1">
+            <a:schemeClr val="accent1"/>
+          </a:effectRef>
+          <a:fontRef idx="minor">
+            <a:schemeClr val="tx1"/>
+          </a:fontRef>
+        </p:style>
+      </p:cxnSp>
+      <p:cxnSp>
+        <p:nvCxnSpPr>
+          <p:cNvPr id="13" name="Straight Connector 12"/>
+          <p:cNvCxnSpPr>
+            <a:stCxn id="39" idx="6"/>
+            <a:endCxn id="42" idx="1"/>
+          </p:cNvCxnSpPr>
+          <p:nvPr/>
+        </p:nvCxnSpPr>
+        <p:spPr>
+          <a:xfrm flipV="1">
+            <a:off x="4781408" y="4407954"/>
+            <a:ext cx="1741582" cy="123262"/>
+          </a:xfrm>
+          <a:prstGeom prst="line">
+            <a:avLst/>
+          </a:prstGeom>
+          <a:ln>
+            <a:solidFill>
+              <a:schemeClr val="tx1"/>
+            </a:solidFill>
+          </a:ln>
+        </p:spPr>
+        <p:style>
+          <a:lnRef idx="2">
+            <a:schemeClr val="accent1"/>
+          </a:lnRef>
+          <a:fillRef idx="0">
+            <a:schemeClr val="accent1"/>
+          </a:fillRef>
+          <a:effectRef idx="1">
+            <a:schemeClr val="accent1"/>
+          </a:effectRef>
+          <a:fontRef idx="minor">
+            <a:schemeClr val="tx1"/>
+          </a:fontRef>
+        </p:style>
+      </p:cxnSp>
     </p:spTree>
     <p:extLst>
       <p:ext uri="{BB962C8B-B14F-4D97-AF65-F5344CB8AC3E}">

--- a/spring13/slides13/microquiz-apr5.pptx
+++ b/spring13/slides13/microquiz-apr5.pptx
@@ -3252,7 +3252,21 @@
                 <a:latin typeface="Comic Sans MS"/>
                 <a:cs typeface="Comic Sans MS"/>
               </a:rPr>
-              <a:t>Name two nonadjacent vertices that are </a:t>
+              <a:t>Name two </a:t>
+            </a:r>
+            <a:r>
+              <a:rPr lang="en-US" sz="3200" dirty="0" smtClean="0">
+                <a:latin typeface="Comic Sans MS"/>
+                <a:cs typeface="Comic Sans MS"/>
+              </a:rPr>
+              <a:t>vertices </a:t>
+            </a:r>
+            <a:r>
+              <a:rPr lang="en-US" sz="3200" dirty="0">
+                <a:latin typeface="Comic Sans MS"/>
+                <a:cs typeface="Comic Sans MS"/>
+              </a:rPr>
+              <a:t>that are </a:t>
             </a:r>
             <a:r>
               <a:rPr lang="en-US" sz="3200" dirty="0" smtClean="0">
@@ -3282,14 +3296,14 @@
                 <a:latin typeface="Comic Sans MS"/>
                 <a:cs typeface="Comic Sans MS"/>
               </a:rPr>
-              <a:t>-edge connected</a:t>
+              <a:t>-edge </a:t>
             </a:r>
             <a:r>
               <a:rPr lang="en-US" sz="3200" dirty="0" smtClean="0">
                 <a:latin typeface="Comic Sans MS"/>
                 <a:cs typeface="Comic Sans MS"/>
               </a:rPr>
-              <a:t> </a:t>
+              <a:t>connected</a:t>
             </a:r>
             <a:endParaRPr lang="en-US" sz="3200" dirty="0">
               <a:latin typeface="Comic Sans MS"/>
